--- a/devdoc/img_src/tlsio_adapter_overview.pptx
+++ b/devdoc/img_src/tlsio_adapter_overview.pptx
@@ -208,7 +208,7 @@
           <a:p>
             <a:fld id="{2371847F-0A10-4AA3-BD19-742881361DEA}" type="datetimeFigureOut">
               <a:rPr lang="en-US" smtClean="0"/>
-              <a:t>6/19/2018</a:t>
+              <a:t>6/20/2018</a:t>
             </a:fld>
             <a:endParaRPr lang="en-US"/>
           </a:p>
@@ -738,7 +738,7 @@
           <a:p>
             <a:fld id="{A1593028-A0CA-48C1-B651-1C34254183FB}" type="datetimeFigureOut">
               <a:rPr lang="en-US" smtClean="0"/>
-              <a:t>6/19/2018</a:t>
+              <a:t>6/20/2018</a:t>
             </a:fld>
             <a:endParaRPr lang="en-US"/>
           </a:p>
@@ -906,7 +906,7 @@
           <a:p>
             <a:fld id="{A1593028-A0CA-48C1-B651-1C34254183FB}" type="datetimeFigureOut">
               <a:rPr lang="en-US" smtClean="0"/>
-              <a:t>6/19/2018</a:t>
+              <a:t>6/20/2018</a:t>
             </a:fld>
             <a:endParaRPr lang="en-US"/>
           </a:p>
@@ -1084,7 +1084,7 @@
           <a:p>
             <a:fld id="{A1593028-A0CA-48C1-B651-1C34254183FB}" type="datetimeFigureOut">
               <a:rPr lang="en-US" smtClean="0"/>
-              <a:t>6/19/2018</a:t>
+              <a:t>6/20/2018</a:t>
             </a:fld>
             <a:endParaRPr lang="en-US"/>
           </a:p>
@@ -1252,7 +1252,7 @@
           <a:p>
             <a:fld id="{A1593028-A0CA-48C1-B651-1C34254183FB}" type="datetimeFigureOut">
               <a:rPr lang="en-US" smtClean="0"/>
-              <a:t>6/19/2018</a:t>
+              <a:t>6/20/2018</a:t>
             </a:fld>
             <a:endParaRPr lang="en-US"/>
           </a:p>
@@ -1497,7 +1497,7 @@
           <a:p>
             <a:fld id="{A1593028-A0CA-48C1-B651-1C34254183FB}" type="datetimeFigureOut">
               <a:rPr lang="en-US" smtClean="0"/>
-              <a:t>6/19/2018</a:t>
+              <a:t>6/20/2018</a:t>
             </a:fld>
             <a:endParaRPr lang="en-US"/>
           </a:p>
@@ -1782,7 +1782,7 @@
           <a:p>
             <a:fld id="{A1593028-A0CA-48C1-B651-1C34254183FB}" type="datetimeFigureOut">
               <a:rPr lang="en-US" smtClean="0"/>
-              <a:t>6/19/2018</a:t>
+              <a:t>6/20/2018</a:t>
             </a:fld>
             <a:endParaRPr lang="en-US"/>
           </a:p>
@@ -2206,7 +2206,7 @@
           <a:p>
             <a:fld id="{A1593028-A0CA-48C1-B651-1C34254183FB}" type="datetimeFigureOut">
               <a:rPr lang="en-US" smtClean="0"/>
-              <a:t>6/19/2018</a:t>
+              <a:t>6/20/2018</a:t>
             </a:fld>
             <a:endParaRPr lang="en-US"/>
           </a:p>
@@ -2323,7 +2323,7 @@
           <a:p>
             <a:fld id="{A1593028-A0CA-48C1-B651-1C34254183FB}" type="datetimeFigureOut">
               <a:rPr lang="en-US" smtClean="0"/>
-              <a:t>6/19/2018</a:t>
+              <a:t>6/20/2018</a:t>
             </a:fld>
             <a:endParaRPr lang="en-US"/>
           </a:p>
@@ -2418,7 +2418,7 @@
           <a:p>
             <a:fld id="{A1593028-A0CA-48C1-B651-1C34254183FB}" type="datetimeFigureOut">
               <a:rPr lang="en-US" smtClean="0"/>
-              <a:t>6/19/2018</a:t>
+              <a:t>6/20/2018</a:t>
             </a:fld>
             <a:endParaRPr lang="en-US"/>
           </a:p>
@@ -2693,7 +2693,7 @@
           <a:p>
             <a:fld id="{A1593028-A0CA-48C1-B651-1C34254183FB}" type="datetimeFigureOut">
               <a:rPr lang="en-US" smtClean="0"/>
-              <a:t>6/19/2018</a:t>
+              <a:t>6/20/2018</a:t>
             </a:fld>
             <a:endParaRPr lang="en-US"/>
           </a:p>
@@ -2945,7 +2945,7 @@
           <a:p>
             <a:fld id="{A1593028-A0CA-48C1-B651-1C34254183FB}" type="datetimeFigureOut">
               <a:rPr lang="en-US" smtClean="0"/>
-              <a:t>6/19/2018</a:t>
+              <a:t>6/20/2018</a:t>
             </a:fld>
             <a:endParaRPr lang="en-US"/>
           </a:p>
@@ -3156,7 +3156,7 @@
           <a:p>
             <a:fld id="{A1593028-A0CA-48C1-B651-1C34254183FB}" type="datetimeFigureOut">
               <a:rPr lang="en-US" smtClean="0"/>
-              <a:t>6/19/2018</a:t>
+              <a:t>6/20/2018</a:t>
             </a:fld>
             <a:endParaRPr lang="en-US"/>
           </a:p>
@@ -3533,6 +3533,55 @@
       </p:grpSpPr>
       <p:sp>
         <p:nvSpPr>
+          <p:cNvPr id="4" name="Rectangle 3">
+            <a:extLst>
+              <a:ext uri="{FF2B5EF4-FFF2-40B4-BE49-F238E27FC236}">
+                <a16:creationId xmlns:a16="http://schemas.microsoft.com/office/drawing/2014/main" id="{09331587-D102-45EE-8DC1-8CD0EDE33A02}"/>
+              </a:ext>
+            </a:extLst>
+          </p:cNvPr>
+          <p:cNvSpPr/>
+          <p:nvPr/>
+        </p:nvSpPr>
+        <p:spPr>
+          <a:xfrm>
+            <a:off x="2057400" y="339768"/>
+            <a:ext cx="3962400" cy="3200400"/>
+          </a:xfrm>
+          <a:prstGeom prst="rect">
+            <a:avLst/>
+          </a:prstGeom>
+        </p:spPr>
+        <p:style>
+          <a:lnRef idx="2">
+            <a:schemeClr val="accent1">
+              <a:shade val="50000"/>
+            </a:schemeClr>
+          </a:lnRef>
+          <a:fillRef idx="1">
+            <a:schemeClr val="accent1"/>
+          </a:fillRef>
+          <a:effectRef idx="0">
+            <a:schemeClr val="accent1"/>
+          </a:effectRef>
+          <a:fontRef idx="minor">
+            <a:schemeClr val="lt1"/>
+          </a:fontRef>
+        </p:style>
+        <p:txBody>
+          <a:bodyPr rtlCol="0" anchor="t"/>
+          <a:lstStyle/>
+          <a:p>
+            <a:r>
+              <a:rPr lang="en-US" dirty="0" err="1"/>
+              <a:t>tlsio_adapter</a:t>
+            </a:r>
+            <a:endParaRPr lang="en-US" dirty="0"/>
+          </a:p>
+        </p:txBody>
+      </p:sp>
+      <p:sp>
+        <p:nvSpPr>
           <p:cNvPr id="3" name="Rectangle 2">
             <a:extLst>
               <a:ext uri="{FF2B5EF4-FFF2-40B4-BE49-F238E27FC236}">
@@ -3545,7 +3594,7 @@
         </p:nvSpPr>
         <p:spPr>
           <a:xfrm>
-            <a:off x="3657600" y="4572000"/>
+            <a:off x="2209800" y="4030510"/>
             <a:ext cx="2057400" cy="381000"/>
           </a:xfrm>
           <a:prstGeom prst="rect">
@@ -3583,10 +3632,10 @@
       </p:sp>
       <p:sp>
         <p:nvSpPr>
-          <p:cNvPr id="4" name="Rectangle 3">
+          <p:cNvPr id="6" name="Rectangle 5">
             <a:extLst>
               <a:ext uri="{FF2B5EF4-FFF2-40B4-BE49-F238E27FC236}">
-                <a16:creationId xmlns:a16="http://schemas.microsoft.com/office/drawing/2014/main" id="{09331587-D102-45EE-8DC1-8CD0EDE33A02}"/>
+                <a16:creationId xmlns:a16="http://schemas.microsoft.com/office/drawing/2014/main" id="{AD58B6B4-883F-48DC-B2DB-778A38E5C278}"/>
               </a:ext>
             </a:extLst>
           </p:cNvPr>
@@ -3595,8 +3644,8 @@
         </p:nvSpPr>
         <p:spPr>
           <a:xfrm>
-            <a:off x="2209800" y="381000"/>
-            <a:ext cx="3962400" cy="990600"/>
+            <a:off x="3162300" y="876300"/>
+            <a:ext cx="2057400" cy="381000"/>
           </a:xfrm>
           <a:prstGeom prst="rect">
             <a:avLst/>
@@ -3619,12 +3668,13 @@
           </a:fontRef>
         </p:style>
         <p:txBody>
-          <a:bodyPr rtlCol="0" anchor="t"/>
-          <a:lstStyle/>
-          <a:p>
+          <a:bodyPr rtlCol="0" anchor="ctr"/>
+          <a:lstStyle/>
+          <a:p>
+            <a:pPr algn="ctr"/>
             <a:r>
               <a:rPr lang="en-US" dirty="0" err="1"/>
-              <a:t>tlsio_adapter</a:t>
+              <a:t>xio_state</a:t>
             </a:r>
             <a:endParaRPr lang="en-US" dirty="0"/>
           </a:p>
@@ -3632,118 +3682,50 @@
       </p:sp>
       <p:sp>
         <p:nvSpPr>
-          <p:cNvPr id="5" name="TextBox 4">
+          <p:cNvPr id="7" name="Rectangle 6">
             <a:extLst>
               <a:ext uri="{FF2B5EF4-FFF2-40B4-BE49-F238E27FC236}">
-                <a16:creationId xmlns:a16="http://schemas.microsoft.com/office/drawing/2014/main" id="{C289934C-1506-4155-82DB-FCC09C2567BB}"/>
+                <a16:creationId xmlns:a16="http://schemas.microsoft.com/office/drawing/2014/main" id="{DD17EC33-9300-43E1-8D45-7B793CEA86E7}"/>
               </a:ext>
             </a:extLst>
           </p:cNvPr>
-          <p:cNvSpPr txBox="1"/>
+          <p:cNvSpPr/>
           <p:nvPr/>
         </p:nvSpPr>
         <p:spPr>
           <a:xfrm>
-            <a:off x="304801" y="1600200"/>
-            <a:ext cx="3048000" cy="2462213"/>
+            <a:off x="3141423" y="1749468"/>
+            <a:ext cx="2057400" cy="1450932"/>
           </a:xfrm>
           <a:prstGeom prst="rect">
             <a:avLst/>
           </a:prstGeom>
-          <a:noFill/>
         </p:spPr>
-        <p:txBody>
-          <a:bodyPr wrap="square" rtlCol="0">
-            <a:spAutoFit/>
-          </a:bodyPr>
-          <a:lstStyle/>
-          <a:p>
-            <a:r>
-              <a:rPr lang="en-US" sz="1100" dirty="0"/>
-              <a:t>There are two kinds of </a:t>
-            </a:r>
-            <a:r>
-              <a:rPr lang="en-US" sz="1100" dirty="0" err="1"/>
-              <a:t>tlsio_adapter</a:t>
-            </a:r>
-            <a:r>
-              <a:rPr lang="en-US" sz="1100" dirty="0"/>
-              <a:t>.</a:t>
-            </a:r>
-          </a:p>
-          <a:p>
-            <a:endParaRPr lang="en-US" sz="1100" dirty="0"/>
-          </a:p>
-          <a:p>
-            <a:r>
-              <a:rPr lang="en-US" sz="1100" dirty="0"/>
-              <a:t>The </a:t>
-            </a:r>
-            <a:r>
-              <a:rPr lang="en-US" sz="1100" b="1" dirty="0" err="1"/>
-              <a:t>tlsio_adapter_basic</a:t>
-            </a:r>
-            <a:r>
-              <a:rPr lang="en-US" sz="1100" dirty="0"/>
-              <a:t> encapsulates option handling, platform functions, read buffering, and validation of </a:t>
-            </a:r>
-            <a:r>
-              <a:rPr lang="en-US" sz="1100" dirty="0" err="1"/>
-              <a:t>xio_create</a:t>
-            </a:r>
-            <a:r>
-              <a:rPr lang="en-US" sz="1100" dirty="0"/>
-              <a:t> parameters. It uses a </a:t>
-            </a:r>
-            <a:r>
-              <a:rPr lang="en-US" sz="1100" dirty="0" err="1"/>
-              <a:t>tls_adapter_basic</a:t>
-            </a:r>
-            <a:r>
-              <a:rPr lang="en-US" sz="1100" dirty="0"/>
-              <a:t> component for the final-layer TLS work.</a:t>
-            </a:r>
-          </a:p>
-          <a:p>
-            <a:endParaRPr lang="en-US" sz="1100" dirty="0"/>
-          </a:p>
-          <a:p>
-            <a:r>
-              <a:rPr lang="en-US" sz="1100" dirty="0"/>
-              <a:t>The </a:t>
-            </a:r>
-            <a:r>
-              <a:rPr lang="en-US" sz="1100" dirty="0" err="1"/>
-              <a:t>tlsio_adapter_with_sockets</a:t>
-            </a:r>
-            <a:r>
-              <a:rPr lang="en-US" sz="1100" dirty="0"/>
-              <a:t> performs the same functions as </a:t>
-            </a:r>
-            <a:r>
-              <a:rPr lang="en-US" sz="1100" dirty="0" err="1"/>
-              <a:t>tlsio_adapter_basic</a:t>
-            </a:r>
-            <a:r>
-              <a:rPr lang="en-US" sz="1100" dirty="0"/>
-              <a:t>, and additionally encapsulates the creation, destruction, opening, and closing of a </a:t>
-            </a:r>
-            <a:r>
-              <a:rPr lang="en-US" sz="1100" dirty="0" err="1"/>
-              <a:t>socket_async</a:t>
-            </a:r>
-            <a:r>
-              <a:rPr lang="en-US" sz="1100" dirty="0"/>
-              <a:t>. It uses a </a:t>
-            </a:r>
-            <a:r>
-              <a:rPr lang="en-US" sz="1100" dirty="0" err="1"/>
-              <a:t>tls_adapter_with_sockets</a:t>
-            </a:r>
-            <a:r>
-              <a:rPr lang="en-US" sz="1100" dirty="0"/>
-              <a:t> component for the final-layer TLS work.</a:t>
-            </a:r>
+        <p:style>
+          <a:lnRef idx="2">
+            <a:schemeClr val="accent1">
+              <a:shade val="50000"/>
+            </a:schemeClr>
+          </a:lnRef>
+          <a:fillRef idx="1">
+            <a:schemeClr val="accent1"/>
+          </a:fillRef>
+          <a:effectRef idx="0">
+            <a:schemeClr val="accent1"/>
+          </a:effectRef>
+          <a:fontRef idx="minor">
+            <a:schemeClr val="lt1"/>
+          </a:fontRef>
+        </p:style>
+        <p:txBody>
+          <a:bodyPr rtlCol="0" anchor="t"/>
+          <a:lstStyle/>
+          <a:p>
+            <a:r>
+              <a:rPr lang="en-US" dirty="0" err="1"/>
+              <a:t>xio_adapter</a:t>
+            </a:r>
+            <a:endParaRPr lang="en-US" dirty="0"/>
           </a:p>
         </p:txBody>
       </p:sp>
